--- a/doc/sensor_network.pptx
+++ b/doc/sensor_network.pptx
@@ -107,6 +107,11 @@
       </a:defRPr>
     </a:lvl9pPr>
   </p:defaultTextStyle>
+  <p:extLst>
+    <p:ext uri="{EFAFB233-063F-42B5-8137-9DF3F51BA10A}">
+      <p15:sldGuideLst xmlns:p15="http://schemas.microsoft.com/office/powerpoint/2012/main"/>
+    </p:ext>
+  </p:extLst>
 </p:presentation>
 </file>
 
@@ -196,7 +201,7 @@
           <a:p>
             <a:fld id="{32200382-C357-48DD-9385-70171313E82F}" type="datetimeFigureOut">
               <a:rPr lang="en-US" smtClean="0"/>
-              <a:t>7/22/2017</a:t>
+              <a:t>9/20/2017</a:t>
             </a:fld>
             <a:endParaRPr lang="en-US"/>
           </a:p>
@@ -729,7 +734,7 @@
           <a:p>
             <a:fld id="{9BAA05A3-8144-4E6C-955D-0918C48B936D}" type="datetimeFigureOut">
               <a:rPr lang="en-US" smtClean="0"/>
-              <a:t>7/22/2017</a:t>
+              <a:t>9/20/2017</a:t>
             </a:fld>
             <a:endParaRPr lang="en-US"/>
           </a:p>
@@ -961,7 +966,7 @@
           <a:p>
             <a:fld id="{9BAA05A3-8144-4E6C-955D-0918C48B936D}" type="datetimeFigureOut">
               <a:rPr lang="en-US" smtClean="0"/>
-              <a:t>7/22/2017</a:t>
+              <a:t>9/20/2017</a:t>
             </a:fld>
             <a:endParaRPr lang="en-US"/>
           </a:p>
@@ -1203,7 +1208,7 @@
           <a:p>
             <a:fld id="{9BAA05A3-8144-4E6C-955D-0918C48B936D}" type="datetimeFigureOut">
               <a:rPr lang="en-US" smtClean="0"/>
-              <a:t>7/22/2017</a:t>
+              <a:t>9/20/2017</a:t>
             </a:fld>
             <a:endParaRPr lang="en-US"/>
           </a:p>
@@ -1435,7 +1440,7 @@
           <a:p>
             <a:fld id="{9BAA05A3-8144-4E6C-955D-0918C48B936D}" type="datetimeFigureOut">
               <a:rPr lang="en-US" smtClean="0"/>
-              <a:t>7/22/2017</a:t>
+              <a:t>9/20/2017</a:t>
             </a:fld>
             <a:endParaRPr lang="en-US"/>
           </a:p>
@@ -1711,7 +1716,7 @@
           <a:p>
             <a:fld id="{9BAA05A3-8144-4E6C-955D-0918C48B936D}" type="datetimeFigureOut">
               <a:rPr lang="en-US" smtClean="0"/>
-              <a:t>7/22/2017</a:t>
+              <a:t>9/20/2017</a:t>
             </a:fld>
             <a:endParaRPr lang="en-US"/>
           </a:p>
@@ -2043,7 +2048,7 @@
           <a:p>
             <a:fld id="{9BAA05A3-8144-4E6C-955D-0918C48B936D}" type="datetimeFigureOut">
               <a:rPr lang="en-US" smtClean="0"/>
-              <a:t>7/22/2017</a:t>
+              <a:t>9/20/2017</a:t>
             </a:fld>
             <a:endParaRPr lang="en-US"/>
           </a:p>
@@ -2522,7 +2527,7 @@
           <a:p>
             <a:fld id="{9BAA05A3-8144-4E6C-955D-0918C48B936D}" type="datetimeFigureOut">
               <a:rPr lang="en-US" smtClean="0"/>
-              <a:t>7/22/2017</a:t>
+              <a:t>9/20/2017</a:t>
             </a:fld>
             <a:endParaRPr lang="en-US"/>
           </a:p>
@@ -2664,7 +2669,7 @@
           <a:p>
             <a:fld id="{9BAA05A3-8144-4E6C-955D-0918C48B936D}" type="datetimeFigureOut">
               <a:rPr lang="en-US" smtClean="0"/>
-              <a:t>7/22/2017</a:t>
+              <a:t>9/20/2017</a:t>
             </a:fld>
             <a:endParaRPr lang="en-US"/>
           </a:p>
@@ -2777,7 +2782,7 @@
           <a:p>
             <a:fld id="{9BAA05A3-8144-4E6C-955D-0918C48B936D}" type="datetimeFigureOut">
               <a:rPr lang="en-US" smtClean="0"/>
-              <a:t>7/22/2017</a:t>
+              <a:t>9/20/2017</a:t>
             </a:fld>
             <a:endParaRPr lang="en-US"/>
           </a:p>
@@ -3122,7 +3127,7 @@
           <a:p>
             <a:fld id="{9BAA05A3-8144-4E6C-955D-0918C48B936D}" type="datetimeFigureOut">
               <a:rPr lang="en-US" smtClean="0"/>
-              <a:t>7/22/2017</a:t>
+              <a:t>9/20/2017</a:t>
             </a:fld>
             <a:endParaRPr lang="en-US"/>
           </a:p>
@@ -3411,7 +3416,7 @@
           <a:p>
             <a:fld id="{9BAA05A3-8144-4E6C-955D-0918C48B936D}" type="datetimeFigureOut">
               <a:rPr lang="en-US" smtClean="0"/>
-              <a:t>7/22/2017</a:t>
+              <a:t>9/20/2017</a:t>
             </a:fld>
             <a:endParaRPr lang="en-US"/>
           </a:p>
@@ -3686,7 +3691,7 @@
           <a:p>
             <a:fld id="{9BAA05A3-8144-4E6C-955D-0918C48B936D}" type="datetimeFigureOut">
               <a:rPr lang="en-US" smtClean="0"/>
-              <a:t>7/22/2017</a:t>
+              <a:t>9/20/2017</a:t>
             </a:fld>
             <a:endParaRPr lang="en-US"/>
           </a:p>
@@ -6249,7 +6254,7 @@
         </p:nvSpPr>
         <p:spPr>
           <a:xfrm>
-            <a:off x="3109517" y="-52166"/>
+            <a:off x="3856939" y="-28313"/>
             <a:ext cx="5738920" cy="523220"/>
           </a:xfrm>
           <a:prstGeom prst="rect">
@@ -6265,7 +6270,7 @@
           <a:p>
             <a:r>
               <a:rPr lang="en-US" sz="2800" dirty="0">
-                <a:latin typeface="Berlin Sans FB Demi" panose="020E0802020502020306" pitchFamily="34" charset="0"/>
+                <a:latin typeface="Arial" panose="020B0604020202020204" pitchFamily="34" charset="0"/>
               </a:rPr>
               <a:t>Wired sensor network</a:t>
             </a:r>
